--- a/텀프 자료/2018_2dgp_3차발표_고선민.pptx
+++ b/텀프 자료/2018_2dgp_3차발표_고선민.pptx
@@ -5,31 +5,33 @@
     <p:sldMasterId id="2147483648" r:id="rId1"/>
   </p:sldMasterIdLst>
   <p:notesMasterIdLst>
-    <p:notesMasterId r:id="rId7"/>
+    <p:notesMasterId r:id="rId9"/>
   </p:notesMasterIdLst>
   <p:sldIdLst>
     <p:sldId id="256" r:id="rId2"/>
     <p:sldId id="260" r:id="rId3"/>
     <p:sldId id="262" r:id="rId4"/>
-    <p:sldId id="263" r:id="rId5"/>
-    <p:sldId id="261" r:id="rId6"/>
+    <p:sldId id="264" r:id="rId5"/>
+    <p:sldId id="265" r:id="rId6"/>
+    <p:sldId id="263" r:id="rId7"/>
+    <p:sldId id="261" r:id="rId8"/>
   </p:sldIdLst>
   <p:sldSz cx="12192000" cy="6858000"/>
   <p:notesSz cx="6858000" cy="9144000"/>
   <p:embeddedFontLst>
     <p:embeddedFont>
-      <p:font typeface="나눔스퀘어라운드 Bold" panose="020B0600000101010101" pitchFamily="50" charset="-127"/>
-      <p:bold r:id="rId8"/>
+      <p:font typeface="나눔바른고딕" panose="020B0603020101020101" pitchFamily="50" charset="-127"/>
+      <p:regular r:id="rId10"/>
+      <p:bold r:id="rId11"/>
     </p:embeddedFont>
     <p:embeddedFont>
-      <p:font typeface="나눔바른고딕" panose="020B0603020101020101" pitchFamily="50" charset="-127"/>
-      <p:regular r:id="rId9"/>
-      <p:bold r:id="rId10"/>
+      <p:font typeface="나눔스퀘어라운드 Bold" panose="020B0600000101010101" pitchFamily="50" charset="-127"/>
+      <p:bold r:id="rId12"/>
     </p:embeddedFont>
     <p:embeddedFont>
       <p:font typeface="맑은 고딕" panose="020B0503020000020004" pitchFamily="50" charset="-127"/>
-      <p:regular r:id="rId11"/>
-      <p:bold r:id="rId12"/>
+      <p:regular r:id="rId13"/>
+      <p:bold r:id="rId14"/>
     </p:embeddedFont>
   </p:embeddedFontLst>
   <p:defaultTextStyle>
@@ -822,6 +824,174 @@
             <a:fld id="{993C1125-B7D7-4352-9742-DAF7641660AE}" type="slidenum">
               <a:rPr lang="ko-KR" altLang="en-US" smtClean="0"/>
               <a:t>4</a:t>
+            </a:fld>
+            <a:endParaRPr lang="ko-KR" altLang="en-US"/>
+          </a:p>
+        </p:txBody>
+      </p:sp>
+    </p:spTree>
+    <p:extLst>
+      <p:ext uri="{BB962C8B-B14F-4D97-AF65-F5344CB8AC3E}">
+        <p14:creationId xmlns:p14="http://schemas.microsoft.com/office/powerpoint/2010/main" val="769677354"/>
+      </p:ext>
+    </p:extLst>
+  </p:cSld>
+  <p:clrMapOvr>
+    <a:masterClrMapping/>
+  </p:clrMapOvr>
+</p:notes>
+</file>
+
+<file path=ppt/notesSlides/notesSlide5.xml><?xml version="1.0" encoding="utf-8"?>
+<p:notes xmlns:a="http://schemas.openxmlformats.org/drawingml/2006/main" xmlns:r="http://schemas.openxmlformats.org/officeDocument/2006/relationships" xmlns:p="http://schemas.openxmlformats.org/presentationml/2006/main">
+  <p:cSld>
+    <p:spTree>
+      <p:nvGrpSpPr>
+        <p:cNvPr id="1" name=""/>
+        <p:cNvGrpSpPr/>
+        <p:nvPr/>
+      </p:nvGrpSpPr>
+      <p:grpSpPr>
+        <a:xfrm>
+          <a:off x="0" y="0"/>
+          <a:ext cx="0" cy="0"/>
+          <a:chOff x="0" y="0"/>
+          <a:chExt cx="0" cy="0"/>
+        </a:xfrm>
+      </p:grpSpPr>
+      <p:sp>
+        <p:nvSpPr>
+          <p:cNvPr id="2" name="슬라이드 이미지 개체 틀 1"/>
+          <p:cNvSpPr>
+            <a:spLocks noGrp="1" noRot="1" noChangeAspect="1"/>
+          </p:cNvSpPr>
+          <p:nvPr>
+            <p:ph type="sldImg"/>
+          </p:nvPr>
+        </p:nvSpPr>
+        <p:spPr/>
+      </p:sp>
+      <p:sp>
+        <p:nvSpPr>
+          <p:cNvPr id="3" name="슬라이드 노트 개체 틀 2"/>
+          <p:cNvSpPr>
+            <a:spLocks noGrp="1"/>
+          </p:cNvSpPr>
+          <p:nvPr>
+            <p:ph type="body" idx="1"/>
+          </p:nvPr>
+        </p:nvSpPr>
+        <p:spPr/>
+        <p:txBody>
+          <a:bodyPr/>
+          <a:lstStyle/>
+          <a:p>
+            <a:endParaRPr lang="ko-KR" altLang="en-US" dirty="0"/>
+          </a:p>
+        </p:txBody>
+      </p:sp>
+      <p:sp>
+        <p:nvSpPr>
+          <p:cNvPr id="4" name="슬라이드 번호 개체 틀 3"/>
+          <p:cNvSpPr>
+            <a:spLocks noGrp="1"/>
+          </p:cNvSpPr>
+          <p:nvPr>
+            <p:ph type="sldNum" sz="quarter" idx="5"/>
+          </p:nvPr>
+        </p:nvSpPr>
+        <p:spPr/>
+        <p:txBody>
+          <a:bodyPr/>
+          <a:lstStyle/>
+          <a:p>
+            <a:fld id="{993C1125-B7D7-4352-9742-DAF7641660AE}" type="slidenum">
+              <a:rPr lang="ko-KR" altLang="en-US" smtClean="0"/>
+              <a:t>5</a:t>
+            </a:fld>
+            <a:endParaRPr lang="ko-KR" altLang="en-US"/>
+          </a:p>
+        </p:txBody>
+      </p:sp>
+    </p:spTree>
+    <p:extLst>
+      <p:ext uri="{BB962C8B-B14F-4D97-AF65-F5344CB8AC3E}">
+        <p14:creationId xmlns:p14="http://schemas.microsoft.com/office/powerpoint/2010/main" val="625292049"/>
+      </p:ext>
+    </p:extLst>
+  </p:cSld>
+  <p:clrMapOvr>
+    <a:masterClrMapping/>
+  </p:clrMapOvr>
+</p:notes>
+</file>
+
+<file path=ppt/notesSlides/notesSlide6.xml><?xml version="1.0" encoding="utf-8"?>
+<p:notes xmlns:a="http://schemas.openxmlformats.org/drawingml/2006/main" xmlns:r="http://schemas.openxmlformats.org/officeDocument/2006/relationships" xmlns:p="http://schemas.openxmlformats.org/presentationml/2006/main">
+  <p:cSld>
+    <p:spTree>
+      <p:nvGrpSpPr>
+        <p:cNvPr id="1" name=""/>
+        <p:cNvGrpSpPr/>
+        <p:nvPr/>
+      </p:nvGrpSpPr>
+      <p:grpSpPr>
+        <a:xfrm>
+          <a:off x="0" y="0"/>
+          <a:ext cx="0" cy="0"/>
+          <a:chOff x="0" y="0"/>
+          <a:chExt cx="0" cy="0"/>
+        </a:xfrm>
+      </p:grpSpPr>
+      <p:sp>
+        <p:nvSpPr>
+          <p:cNvPr id="2" name="슬라이드 이미지 개체 틀 1"/>
+          <p:cNvSpPr>
+            <a:spLocks noGrp="1" noRot="1" noChangeAspect="1"/>
+          </p:cNvSpPr>
+          <p:nvPr>
+            <p:ph type="sldImg"/>
+          </p:nvPr>
+        </p:nvSpPr>
+        <p:spPr/>
+      </p:sp>
+      <p:sp>
+        <p:nvSpPr>
+          <p:cNvPr id="3" name="슬라이드 노트 개체 틀 2"/>
+          <p:cNvSpPr>
+            <a:spLocks noGrp="1"/>
+          </p:cNvSpPr>
+          <p:nvPr>
+            <p:ph type="body" idx="1"/>
+          </p:nvPr>
+        </p:nvSpPr>
+        <p:spPr/>
+        <p:txBody>
+          <a:bodyPr/>
+          <a:lstStyle/>
+          <a:p>
+            <a:endParaRPr lang="ko-KR" altLang="en-US" dirty="0"/>
+          </a:p>
+        </p:txBody>
+      </p:sp>
+      <p:sp>
+        <p:nvSpPr>
+          <p:cNvPr id="4" name="슬라이드 번호 개체 틀 3"/>
+          <p:cNvSpPr>
+            <a:spLocks noGrp="1"/>
+          </p:cNvSpPr>
+          <p:nvPr>
+            <p:ph type="sldNum" sz="quarter" idx="5"/>
+          </p:nvPr>
+        </p:nvSpPr>
+        <p:spPr/>
+        <p:txBody>
+          <a:bodyPr/>
+          <a:lstStyle/>
+          <a:p>
+            <a:fld id="{993C1125-B7D7-4352-9742-DAF7641660AE}" type="slidenum">
+              <a:rPr lang="ko-KR" altLang="en-US" smtClean="0"/>
+              <a:t>6</a:t>
             </a:fld>
             <a:endParaRPr lang="ko-KR" altLang="en-US"/>
           </a:p>
@@ -6336,6 +6506,232 @@
           <a:chExt cx="0" cy="0"/>
         </a:xfrm>
       </p:grpSpPr>
+      <p:pic>
+        <p:nvPicPr>
+          <p:cNvPr id="2" name="그림 1">
+            <a:extLst>
+              <a:ext uri="{FF2B5EF4-FFF2-40B4-BE49-F238E27FC236}">
+                <a16:creationId xmlns:a16="http://schemas.microsoft.com/office/drawing/2014/main" id="{27FC05F1-BC18-4642-93E0-42D91AD09730}"/>
+              </a:ext>
+            </a:extLst>
+          </p:cNvPr>
+          <p:cNvPicPr>
+            <a:picLocks noChangeAspect="1"/>
+          </p:cNvPicPr>
+          <p:nvPr/>
+        </p:nvPicPr>
+        <p:blipFill>
+          <a:blip r:embed="rId3"/>
+          <a:stretch>
+            <a:fillRect/>
+          </a:stretch>
+        </p:blipFill>
+        <p:spPr>
+          <a:xfrm>
+            <a:off x="1609725" y="252412"/>
+            <a:ext cx="8972550" cy="6353175"/>
+          </a:xfrm>
+          <a:prstGeom prst="rect">
+            <a:avLst/>
+          </a:prstGeom>
+        </p:spPr>
+      </p:pic>
+    </p:spTree>
+    <p:extLst>
+      <p:ext uri="{BB962C8B-B14F-4D97-AF65-F5344CB8AC3E}">
+        <p14:creationId xmlns:p14="http://schemas.microsoft.com/office/powerpoint/2010/main" val="4225514904"/>
+      </p:ext>
+    </p:extLst>
+  </p:cSld>
+  <p:clrMapOvr>
+    <a:masterClrMapping/>
+  </p:clrMapOvr>
+</p:sld>
+</file>
+
+<file path=ppt/slides/slide5.xml><?xml version="1.0" encoding="utf-8"?>
+<p:sld xmlns:a="http://schemas.openxmlformats.org/drawingml/2006/main" xmlns:r="http://schemas.openxmlformats.org/officeDocument/2006/relationships" xmlns:p="http://schemas.openxmlformats.org/presentationml/2006/main">
+  <p:cSld>
+    <p:spTree>
+      <p:nvGrpSpPr>
+        <p:cNvPr id="1" name=""/>
+        <p:cNvGrpSpPr/>
+        <p:nvPr/>
+      </p:nvGrpSpPr>
+      <p:grpSpPr>
+        <a:xfrm>
+          <a:off x="0" y="0"/>
+          <a:ext cx="0" cy="0"/>
+          <a:chOff x="0" y="0"/>
+          <a:chExt cx="0" cy="0"/>
+        </a:xfrm>
+      </p:grpSpPr>
+      <p:sp>
+        <p:nvSpPr>
+          <p:cNvPr id="3" name="TextBox 2">
+            <a:extLst>
+              <a:ext uri="{FF2B5EF4-FFF2-40B4-BE49-F238E27FC236}">
+                <a16:creationId xmlns:a16="http://schemas.microsoft.com/office/drawing/2014/main" id="{46807992-A9F5-4177-A69C-C4CA936EDC21}"/>
+              </a:ext>
+            </a:extLst>
+          </p:cNvPr>
+          <p:cNvSpPr txBox="1"/>
+          <p:nvPr/>
+        </p:nvSpPr>
+        <p:spPr>
+          <a:xfrm>
+            <a:off x="0" y="2613392"/>
+            <a:ext cx="12192000" cy="1631216"/>
+          </a:xfrm>
+          <a:prstGeom prst="rect">
+            <a:avLst/>
+          </a:prstGeom>
+          <a:noFill/>
+        </p:spPr>
+        <p:txBody>
+          <a:bodyPr wrap="square" rtlCol="0">
+            <a:spAutoFit/>
+          </a:bodyPr>
+          <a:lstStyle/>
+          <a:p>
+            <a:r>
+              <a:rPr lang="en-US" altLang="ko-KR" sz="2000" dirty="0"/>
+              <a:t>class Player:	// </a:t>
+            </a:r>
+            <a:r>
+              <a:rPr lang="ko-KR" altLang="en-US" sz="2000" dirty="0"/>
+              <a:t>캐릭터가 움직이는 것을 관리</a:t>
+            </a:r>
+            <a:endParaRPr lang="en-US" altLang="ko-KR" sz="2000" dirty="0"/>
+          </a:p>
+          <a:p>
+            <a:r>
+              <a:rPr lang="en-US" altLang="ko-KR" sz="2000" dirty="0"/>
+              <a:t>	def __</a:t>
+            </a:r>
+            <a:r>
+              <a:rPr lang="en-US" altLang="ko-KR" sz="2000" dirty="0" err="1"/>
+              <a:t>init</a:t>
+            </a:r>
+            <a:r>
+              <a:rPr lang="en-US" altLang="ko-KR" sz="2000" dirty="0"/>
+              <a:t>__(self):	// </a:t>
+            </a:r>
+            <a:r>
+              <a:rPr lang="ko-KR" altLang="en-US" sz="2000" dirty="0"/>
+              <a:t>필요한 변수를 선언 </a:t>
+            </a:r>
+            <a:r>
+              <a:rPr lang="en-US" altLang="ko-KR" sz="2000" dirty="0"/>
+              <a:t>(</a:t>
+            </a:r>
+            <a:r>
+              <a:rPr lang="ko-KR" altLang="en-US" sz="2000" dirty="0"/>
+              <a:t>중력 </a:t>
+            </a:r>
+            <a:r>
+              <a:rPr lang="en-US" altLang="ko-KR" sz="2000" dirty="0"/>
+              <a:t>/ </a:t>
+            </a:r>
+            <a:r>
+              <a:rPr lang="ko-KR" altLang="en-US" sz="2000" dirty="0"/>
+              <a:t>속도 </a:t>
+            </a:r>
+            <a:r>
+              <a:rPr lang="en-US" altLang="ko-KR" sz="2000" dirty="0"/>
+              <a:t>/ </a:t>
+            </a:r>
+            <a:r>
+              <a:rPr lang="ko-KR" altLang="en-US" sz="2000" dirty="0"/>
+              <a:t>위치 등등</a:t>
+            </a:r>
+            <a:r>
+              <a:rPr lang="en-US" altLang="ko-KR" sz="2000" dirty="0"/>
+              <a:t>)</a:t>
+            </a:r>
+          </a:p>
+          <a:p>
+            <a:r>
+              <a:rPr lang="en-US" altLang="ko-KR" sz="2000" dirty="0"/>
+              <a:t>	def swing(self, </a:t>
+            </a:r>
+            <a:r>
+              <a:rPr lang="en-US" altLang="ko-KR" sz="2000" dirty="0" err="1"/>
+              <a:t>frame_time</a:t>
+            </a:r>
+            <a:r>
+              <a:rPr lang="en-US" altLang="ko-KR" sz="2000" dirty="0"/>
+              <a:t>):  // </a:t>
+            </a:r>
+            <a:r>
+              <a:rPr lang="ko-KR" altLang="en-US" sz="2000" dirty="0"/>
+              <a:t>밧줄 위에서 흔들릴 때 캐릭터의 위치를 업데이트 해 줍니다</a:t>
+            </a:r>
+            <a:r>
+              <a:rPr lang="en-US" altLang="ko-KR" sz="2000" dirty="0"/>
+              <a:t>.)</a:t>
+            </a:r>
+          </a:p>
+          <a:p>
+            <a:r>
+              <a:rPr lang="en-US" altLang="ko-KR" sz="2000" dirty="0"/>
+              <a:t>	def jump(self):	// </a:t>
+            </a:r>
+            <a:r>
+              <a:rPr lang="ko-KR" altLang="en-US" sz="2000" dirty="0"/>
+              <a:t>점프 할 때 캐릭터의 위치를 업데이트 해 줍니다</a:t>
+            </a:r>
+            <a:r>
+              <a:rPr lang="en-US" altLang="ko-KR" sz="2000" dirty="0"/>
+              <a:t>.</a:t>
+            </a:r>
+          </a:p>
+          <a:p>
+            <a:r>
+              <a:rPr lang="en-US" altLang="ko-KR" sz="2000" dirty="0"/>
+              <a:t>	def draw(self):	// </a:t>
+            </a:r>
+            <a:r>
+              <a:rPr lang="ko-KR" altLang="en-US" sz="2000" dirty="0"/>
+              <a:t>캐릭터를 그려줍니다</a:t>
+            </a:r>
+            <a:r>
+              <a:rPr lang="en-US" altLang="ko-KR" sz="2000" dirty="0"/>
+              <a:t>.</a:t>
+            </a:r>
+          </a:p>
+        </p:txBody>
+      </p:sp>
+    </p:spTree>
+    <p:extLst>
+      <p:ext uri="{BB962C8B-B14F-4D97-AF65-F5344CB8AC3E}">
+        <p14:creationId xmlns:p14="http://schemas.microsoft.com/office/powerpoint/2010/main" val="621319937"/>
+      </p:ext>
+    </p:extLst>
+  </p:cSld>
+  <p:clrMapOvr>
+    <a:masterClrMapping/>
+  </p:clrMapOvr>
+</p:sld>
+</file>
+
+<file path=ppt/slides/slide6.xml><?xml version="1.0" encoding="utf-8"?>
+<p:sld xmlns:a="http://schemas.openxmlformats.org/drawingml/2006/main" xmlns:r="http://schemas.openxmlformats.org/officeDocument/2006/relationships" xmlns:p="http://schemas.openxmlformats.org/presentationml/2006/main">
+  <p:cSld>
+    <p:spTree>
+      <p:nvGrpSpPr>
+        <p:cNvPr id="1" name=""/>
+        <p:cNvGrpSpPr/>
+        <p:nvPr/>
+      </p:nvGrpSpPr>
+      <p:grpSpPr>
+        <a:xfrm>
+          <a:off x="0" y="0"/>
+          <a:ext cx="0" cy="0"/>
+          <a:chOff x="0" y="0"/>
+          <a:chExt cx="0" cy="0"/>
+        </a:xfrm>
+      </p:grpSpPr>
       <p:sp>
         <p:nvSpPr>
           <p:cNvPr id="2" name="TextBox 1">
@@ -6526,7 +6922,7 @@
 </p:sld>
 </file>
 
-<file path=ppt/slides/slide5.xml><?xml version="1.0" encoding="utf-8"?>
+<file path=ppt/slides/slide7.xml><?xml version="1.0" encoding="utf-8"?>
 <p:sld xmlns:a="http://schemas.openxmlformats.org/drawingml/2006/main" xmlns:r="http://schemas.openxmlformats.org/officeDocument/2006/relationships" xmlns:p="http://schemas.openxmlformats.org/presentationml/2006/main">
   <p:cSld>
     <p:bg>
